--- a/project1.pptx
+++ b/project1.pptx
@@ -8,6 +8,8 @@
     <p:sldId id="256" r:id="rId2"/>
     <p:sldId id="259" r:id="rId3"/>
     <p:sldId id="260" r:id="rId4"/>
+    <p:sldId id="261" r:id="rId5"/>
+    <p:sldId id="262" r:id="rId6"/>
   </p:sldIdLst>
   <p:sldSz cx="12192000" cy="6858000"/>
   <p:notesSz cx="6858000" cy="9144000"/>
@@ -106,6 +108,11 @@
       </a:defRPr>
     </a:lvl9pPr>
   </p:defaultTextStyle>
+  <p:extLst>
+    <p:ext uri="{EFAFB233-063F-42B5-8137-9DF3F51BA10A}">
+      <p15:sldGuideLst xmlns:p15="http://schemas.microsoft.com/office/powerpoint/2012/main"/>
+    </p:ext>
+  </p:extLst>
 </p:presentation>
 </file>
 
@@ -279,7 +286,7 @@
           <a:p>
             <a:fld id="{1EF2611C-1D6D-4C57-B31D-145D2C54CABE}" type="datetimeFigureOut">
               <a:rPr lang="en-US" smtClean="0"/>
-              <a:t>1/7/2020</a:t>
+              <a:t>1/9/2020</a:t>
             </a:fld>
             <a:endParaRPr lang="en-US"/>
           </a:p>
@@ -551,7 +558,7 @@
           <a:p>
             <a:fld id="{1EF2611C-1D6D-4C57-B31D-145D2C54CABE}" type="datetimeFigureOut">
               <a:rPr lang="en-US" smtClean="0"/>
-              <a:t>1/7/2020</a:t>
+              <a:t>1/9/2020</a:t>
             </a:fld>
             <a:endParaRPr lang="en-US"/>
           </a:p>
@@ -782,7 +789,7 @@
           <a:p>
             <a:fld id="{1EF2611C-1D6D-4C57-B31D-145D2C54CABE}" type="datetimeFigureOut">
               <a:rPr lang="en-US" smtClean="0"/>
-              <a:t>1/7/2020</a:t>
+              <a:t>1/9/2020</a:t>
             </a:fld>
             <a:endParaRPr lang="en-US"/>
           </a:p>
@@ -1092,7 +1099,7 @@
           <a:p>
             <a:fld id="{1EF2611C-1D6D-4C57-B31D-145D2C54CABE}" type="datetimeFigureOut">
               <a:rPr lang="en-US" smtClean="0"/>
-              <a:t>1/7/2020</a:t>
+              <a:t>1/9/2020</a:t>
             </a:fld>
             <a:endParaRPr lang="en-US"/>
           </a:p>
@@ -1565,7 +1572,7 @@
           <a:p>
             <a:fld id="{1EF2611C-1D6D-4C57-B31D-145D2C54CABE}" type="datetimeFigureOut">
               <a:rPr lang="en-US" smtClean="0"/>
-              <a:t>1/7/2020</a:t>
+              <a:t>1/9/2020</a:t>
             </a:fld>
             <a:endParaRPr lang="en-US"/>
           </a:p>
@@ -2112,7 +2119,7 @@
           <a:p>
             <a:fld id="{1EF2611C-1D6D-4C57-B31D-145D2C54CABE}" type="datetimeFigureOut">
               <a:rPr lang="en-US" smtClean="0"/>
-              <a:t>1/7/2020</a:t>
+              <a:t>1/9/2020</a:t>
             </a:fld>
             <a:endParaRPr lang="en-US"/>
           </a:p>
@@ -2886,7 +2893,7 @@
           <a:p>
             <a:fld id="{1EF2611C-1D6D-4C57-B31D-145D2C54CABE}" type="datetimeFigureOut">
               <a:rPr lang="en-US" smtClean="0"/>
-              <a:t>1/7/2020</a:t>
+              <a:t>1/9/2020</a:t>
             </a:fld>
             <a:endParaRPr lang="en-US"/>
           </a:p>
@@ -3061,7 +3068,7 @@
           <a:p>
             <a:fld id="{1EF2611C-1D6D-4C57-B31D-145D2C54CABE}" type="datetimeFigureOut">
               <a:rPr lang="en-US" smtClean="0"/>
-              <a:t>1/7/2020</a:t>
+              <a:t>1/9/2020</a:t>
             </a:fld>
             <a:endParaRPr lang="en-US"/>
           </a:p>
@@ -3284,7 +3291,7 @@
           <a:p>
             <a:fld id="{1EF2611C-1D6D-4C57-B31D-145D2C54CABE}" type="datetimeFigureOut">
               <a:rPr lang="en-US" smtClean="0"/>
-              <a:t>1/7/2020</a:t>
+              <a:t>1/9/2020</a:t>
             </a:fld>
             <a:endParaRPr lang="en-US"/>
           </a:p>
@@ -3531,7 +3538,7 @@
           <a:p>
             <a:fld id="{1EF2611C-1D6D-4C57-B31D-145D2C54CABE}" type="datetimeFigureOut">
               <a:rPr lang="en-US" smtClean="0"/>
-              <a:t>1/7/2020</a:t>
+              <a:t>1/9/2020</a:t>
             </a:fld>
             <a:endParaRPr lang="en-US"/>
           </a:p>
@@ -3701,7 +3708,7 @@
           <a:p>
             <a:fld id="{1EF2611C-1D6D-4C57-B31D-145D2C54CABE}" type="datetimeFigureOut">
               <a:rPr lang="en-US" smtClean="0"/>
-              <a:t>1/7/2020</a:t>
+              <a:t>1/9/2020</a:t>
             </a:fld>
             <a:endParaRPr lang="en-US"/>
           </a:p>
@@ -3990,7 +3997,7 @@
           <a:p>
             <a:fld id="{1EF2611C-1D6D-4C57-B31D-145D2C54CABE}" type="datetimeFigureOut">
               <a:rPr lang="en-US" smtClean="0"/>
-              <a:t>1/7/2020</a:t>
+              <a:t>1/9/2020</a:t>
             </a:fld>
             <a:endParaRPr lang="en-US"/>
           </a:p>
@@ -4232,7 +4239,7 @@
           <a:p>
             <a:fld id="{1EF2611C-1D6D-4C57-B31D-145D2C54CABE}" type="datetimeFigureOut">
               <a:rPr lang="en-US" smtClean="0"/>
-              <a:t>1/7/2020</a:t>
+              <a:t>1/9/2020</a:t>
             </a:fld>
             <a:endParaRPr lang="en-US"/>
           </a:p>
@@ -4616,7 +4623,7 @@
           <a:p>
             <a:fld id="{1EF2611C-1D6D-4C57-B31D-145D2C54CABE}" type="datetimeFigureOut">
               <a:rPr lang="en-US" smtClean="0"/>
-              <a:t>1/7/2020</a:t>
+              <a:t>1/9/2020</a:t>
             </a:fld>
             <a:endParaRPr lang="en-US"/>
           </a:p>
@@ -4739,7 +4746,7 @@
           <a:p>
             <a:fld id="{1EF2611C-1D6D-4C57-B31D-145D2C54CABE}" type="datetimeFigureOut">
               <a:rPr lang="en-US" smtClean="0"/>
-              <a:t>1/7/2020</a:t>
+              <a:t>1/9/2020</a:t>
             </a:fld>
             <a:endParaRPr lang="en-US"/>
           </a:p>
@@ -4834,7 +4841,7 @@
           <a:p>
             <a:fld id="{1EF2611C-1D6D-4C57-B31D-145D2C54CABE}" type="datetimeFigureOut">
               <a:rPr lang="en-US" smtClean="0"/>
-              <a:t>1/7/2020</a:t>
+              <a:t>1/9/2020</a:t>
             </a:fld>
             <a:endParaRPr lang="en-US"/>
           </a:p>
@@ -5088,7 +5095,7 @@
           <a:p>
             <a:fld id="{1EF2611C-1D6D-4C57-B31D-145D2C54CABE}" type="datetimeFigureOut">
               <a:rPr lang="en-US" smtClean="0"/>
-              <a:t>1/7/2020</a:t>
+              <a:t>1/9/2020</a:t>
             </a:fld>
             <a:endParaRPr lang="en-US"/>
           </a:p>
@@ -5350,7 +5357,7 @@
           <a:p>
             <a:fld id="{1EF2611C-1D6D-4C57-B31D-145D2C54CABE}" type="datetimeFigureOut">
               <a:rPr lang="en-US" smtClean="0"/>
-              <a:t>1/7/2020</a:t>
+              <a:t>1/9/2020</a:t>
             </a:fld>
             <a:endParaRPr lang="en-US"/>
           </a:p>
@@ -5593,7 +5600,7 @@
           <a:p>
             <a:fld id="{1EF2611C-1D6D-4C57-B31D-145D2C54CABE}" type="datetimeFigureOut">
               <a:rPr lang="en-US" smtClean="0"/>
-              <a:t>1/7/2020</a:t>
+              <a:t>1/9/2020</a:t>
             </a:fld>
             <a:endParaRPr lang="en-US"/>
           </a:p>
@@ -6130,10 +6137,10 @@
       </p:sp>
       <p:pic>
         <p:nvPicPr>
-          <p:cNvPr id="6" name="Content Placeholder 5" descr="A screenshot of a cell phone&#10;&#10;Description automatically generated">
+          <p:cNvPr id="7" name="Content Placeholder 6" descr="A screenshot of a cell phone&#10;&#10;Description automatically generated">
             <a:extLst>
               <a:ext uri="{FF2B5EF4-FFF2-40B4-BE49-F238E27FC236}">
-                <a16:creationId xmlns:a16="http://schemas.microsoft.com/office/drawing/2014/main" id="{092C5F41-019A-4729-B2C7-40BE61E27029}"/>
+                <a16:creationId xmlns:a16="http://schemas.microsoft.com/office/drawing/2014/main" id="{9C26F89F-6715-4E2F-883D-D55059D843E4}"/>
               </a:ext>
             </a:extLst>
           </p:cNvPr>
@@ -6165,10 +6172,10 @@
       </p:pic>
       <p:pic>
         <p:nvPicPr>
-          <p:cNvPr id="8" name="Content Placeholder 7" descr="A screenshot of a cell phone&#10;&#10;Description automatically generated">
+          <p:cNvPr id="12" name="Content Placeholder 11" descr="A screenshot of a cell phone&#10;&#10;Description automatically generated">
             <a:extLst>
               <a:ext uri="{FF2B5EF4-FFF2-40B4-BE49-F238E27FC236}">
-                <a16:creationId xmlns:a16="http://schemas.microsoft.com/office/drawing/2014/main" id="{066043BC-6C90-4287-A77B-AAC4A501F652}"/>
+                <a16:creationId xmlns:a16="http://schemas.microsoft.com/office/drawing/2014/main" id="{FB7791F9-EC38-4E85-970B-17D9FE3C553F}"/>
               </a:ext>
             </a:extLst>
           </p:cNvPr>
@@ -6258,10 +6265,10 @@
       </p:sp>
       <p:pic>
         <p:nvPicPr>
-          <p:cNvPr id="6" name="Content Placeholder 5" descr="A screenshot of a cell phone&#10;&#10;Description automatically generated">
+          <p:cNvPr id="7" name="Content Placeholder 6" descr="A screenshot of a cell phone&#10;&#10;Description automatically generated">
             <a:extLst>
               <a:ext uri="{FF2B5EF4-FFF2-40B4-BE49-F238E27FC236}">
-                <a16:creationId xmlns:a16="http://schemas.microsoft.com/office/drawing/2014/main" id="{76102337-652B-4ED2-9C95-E9CFCE282EB0}"/>
+                <a16:creationId xmlns:a16="http://schemas.microsoft.com/office/drawing/2014/main" id="{924D32ED-A8C6-483B-807E-C257EAE25435}"/>
               </a:ext>
             </a:extLst>
           </p:cNvPr>
@@ -6293,10 +6300,10 @@
       </p:pic>
       <p:pic>
         <p:nvPicPr>
-          <p:cNvPr id="10" name="Content Placeholder 9" descr="A screenshot of a cell phone&#10;&#10;Description automatically generated">
+          <p:cNvPr id="12" name="Content Placeholder 11" descr="A screenshot of a cell phone&#10;&#10;Description automatically generated">
             <a:extLst>
               <a:ext uri="{FF2B5EF4-FFF2-40B4-BE49-F238E27FC236}">
-                <a16:creationId xmlns:a16="http://schemas.microsoft.com/office/drawing/2014/main" id="{11EF002B-D502-42D4-9F66-EBBF7219F931}"/>
+                <a16:creationId xmlns:a16="http://schemas.microsoft.com/office/drawing/2014/main" id="{75E1700C-673A-445B-878B-A54336C8D94C}"/>
               </a:ext>
             </a:extLst>
           </p:cNvPr>
@@ -6330,6 +6337,222 @@
     <p:extLst>
       <p:ext uri="{BB962C8B-B14F-4D97-AF65-F5344CB8AC3E}">
         <p14:creationId xmlns:p14="http://schemas.microsoft.com/office/powerpoint/2010/main" val="2136002016"/>
+      </p:ext>
+    </p:extLst>
+  </p:cSld>
+  <p:clrMapOvr>
+    <a:masterClrMapping/>
+  </p:clrMapOvr>
+</p:sld>
+</file>
+
+<file path=ppt/slides/slide4.xml><?xml version="1.0" encoding="utf-8"?>
+<p:sld xmlns:a="http://schemas.openxmlformats.org/drawingml/2006/main" xmlns:r="http://schemas.openxmlformats.org/officeDocument/2006/relationships" xmlns:p="http://schemas.openxmlformats.org/presentationml/2006/main">
+  <p:cSld>
+    <p:spTree>
+      <p:nvGrpSpPr>
+        <p:cNvPr id="1" name=""/>
+        <p:cNvGrpSpPr/>
+        <p:nvPr/>
+      </p:nvGrpSpPr>
+      <p:grpSpPr>
+        <a:xfrm>
+          <a:off x="0" y="0"/>
+          <a:ext cx="0" cy="0"/>
+          <a:chOff x="0" y="0"/>
+          <a:chExt cx="0" cy="0"/>
+        </a:xfrm>
+      </p:grpSpPr>
+      <p:sp>
+        <p:nvSpPr>
+          <p:cNvPr id="2" name="Title 1">
+            <a:extLst>
+              <a:ext uri="{FF2B5EF4-FFF2-40B4-BE49-F238E27FC236}">
+                <a16:creationId xmlns:a16="http://schemas.microsoft.com/office/drawing/2014/main" id="{9538E715-27D8-45C5-8CA4-1E8FDE427BB2}"/>
+              </a:ext>
+            </a:extLst>
+          </p:cNvPr>
+          <p:cNvSpPr>
+            <a:spLocks noGrp="1"/>
+          </p:cNvSpPr>
+          <p:nvPr>
+            <p:ph type="title"/>
+          </p:nvPr>
+        </p:nvSpPr>
+        <p:spPr/>
+        <p:txBody>
+          <a:bodyPr/>
+          <a:lstStyle/>
+          <a:p>
+            <a:r>
+              <a:rPr lang="en-US" dirty="0"/>
+              <a:t>Maria</a:t>
+            </a:r>
+          </a:p>
+        </p:txBody>
+      </p:sp>
+      <p:sp>
+        <p:nvSpPr>
+          <p:cNvPr id="3" name="Content Placeholder 2">
+            <a:extLst>
+              <a:ext uri="{FF2B5EF4-FFF2-40B4-BE49-F238E27FC236}">
+                <a16:creationId xmlns:a16="http://schemas.microsoft.com/office/drawing/2014/main" id="{EE289D64-64D6-46BA-9A0C-10D99CE44158}"/>
+              </a:ext>
+            </a:extLst>
+          </p:cNvPr>
+          <p:cNvSpPr>
+            <a:spLocks noGrp="1"/>
+          </p:cNvSpPr>
+          <p:nvPr>
+            <p:ph sz="quarter" idx="13"/>
+          </p:nvPr>
+        </p:nvSpPr>
+        <p:spPr/>
+        <p:txBody>
+          <a:bodyPr/>
+          <a:lstStyle/>
+          <a:p>
+            <a:endParaRPr lang="en-US"/>
+          </a:p>
+        </p:txBody>
+      </p:sp>
+      <p:sp>
+        <p:nvSpPr>
+          <p:cNvPr id="4" name="Content Placeholder 3">
+            <a:extLst>
+              <a:ext uri="{FF2B5EF4-FFF2-40B4-BE49-F238E27FC236}">
+                <a16:creationId xmlns:a16="http://schemas.microsoft.com/office/drawing/2014/main" id="{124A297C-B8D7-4B23-95C3-E948FA09679A}"/>
+              </a:ext>
+            </a:extLst>
+          </p:cNvPr>
+          <p:cNvSpPr>
+            <a:spLocks noGrp="1"/>
+          </p:cNvSpPr>
+          <p:nvPr>
+            <p:ph sz="quarter" idx="14"/>
+          </p:nvPr>
+        </p:nvSpPr>
+        <p:spPr/>
+        <p:txBody>
+          <a:bodyPr/>
+          <a:lstStyle/>
+          <a:p>
+            <a:endParaRPr lang="en-US"/>
+          </a:p>
+        </p:txBody>
+      </p:sp>
+    </p:spTree>
+    <p:extLst>
+      <p:ext uri="{BB962C8B-B14F-4D97-AF65-F5344CB8AC3E}">
+        <p14:creationId xmlns:p14="http://schemas.microsoft.com/office/powerpoint/2010/main" val="2870407785"/>
+      </p:ext>
+    </p:extLst>
+  </p:cSld>
+  <p:clrMapOvr>
+    <a:masterClrMapping/>
+  </p:clrMapOvr>
+</p:sld>
+</file>
+
+<file path=ppt/slides/slide5.xml><?xml version="1.0" encoding="utf-8"?>
+<p:sld xmlns:a="http://schemas.openxmlformats.org/drawingml/2006/main" xmlns:r="http://schemas.openxmlformats.org/officeDocument/2006/relationships" xmlns:p="http://schemas.openxmlformats.org/presentationml/2006/main">
+  <p:cSld>
+    <p:spTree>
+      <p:nvGrpSpPr>
+        <p:cNvPr id="1" name=""/>
+        <p:cNvGrpSpPr/>
+        <p:nvPr/>
+      </p:nvGrpSpPr>
+      <p:grpSpPr>
+        <a:xfrm>
+          <a:off x="0" y="0"/>
+          <a:ext cx="0" cy="0"/>
+          <a:chOff x="0" y="0"/>
+          <a:chExt cx="0" cy="0"/>
+        </a:xfrm>
+      </p:grpSpPr>
+      <p:sp>
+        <p:nvSpPr>
+          <p:cNvPr id="2" name="Title 1">
+            <a:extLst>
+              <a:ext uri="{FF2B5EF4-FFF2-40B4-BE49-F238E27FC236}">
+                <a16:creationId xmlns:a16="http://schemas.microsoft.com/office/drawing/2014/main" id="{4FC3FF42-0958-477E-9EC4-0E917B6EDDF5}"/>
+              </a:ext>
+            </a:extLst>
+          </p:cNvPr>
+          <p:cNvSpPr>
+            <a:spLocks noGrp="1"/>
+          </p:cNvSpPr>
+          <p:nvPr>
+            <p:ph type="title"/>
+          </p:nvPr>
+        </p:nvSpPr>
+        <p:spPr/>
+        <p:txBody>
+          <a:bodyPr/>
+          <a:lstStyle/>
+          <a:p>
+            <a:r>
+              <a:rPr lang="en-US"/>
+              <a:t>Franchesca</a:t>
+            </a:r>
+          </a:p>
+        </p:txBody>
+      </p:sp>
+      <p:sp>
+        <p:nvSpPr>
+          <p:cNvPr id="3" name="Content Placeholder 2">
+            <a:extLst>
+              <a:ext uri="{FF2B5EF4-FFF2-40B4-BE49-F238E27FC236}">
+                <a16:creationId xmlns:a16="http://schemas.microsoft.com/office/drawing/2014/main" id="{E5333577-F048-4E98-A9CE-8BAF8BFBEF2B}"/>
+              </a:ext>
+            </a:extLst>
+          </p:cNvPr>
+          <p:cNvSpPr>
+            <a:spLocks noGrp="1"/>
+          </p:cNvSpPr>
+          <p:nvPr>
+            <p:ph sz="quarter" idx="13"/>
+          </p:nvPr>
+        </p:nvSpPr>
+        <p:spPr/>
+        <p:txBody>
+          <a:bodyPr/>
+          <a:lstStyle/>
+          <a:p>
+            <a:endParaRPr lang="en-US"/>
+          </a:p>
+        </p:txBody>
+      </p:sp>
+      <p:sp>
+        <p:nvSpPr>
+          <p:cNvPr id="4" name="Content Placeholder 3">
+            <a:extLst>
+              <a:ext uri="{FF2B5EF4-FFF2-40B4-BE49-F238E27FC236}">
+                <a16:creationId xmlns:a16="http://schemas.microsoft.com/office/drawing/2014/main" id="{6EA04D5F-7D29-4736-964A-9098CD1C1001}"/>
+              </a:ext>
+            </a:extLst>
+          </p:cNvPr>
+          <p:cNvSpPr>
+            <a:spLocks noGrp="1"/>
+          </p:cNvSpPr>
+          <p:nvPr>
+            <p:ph sz="quarter" idx="14"/>
+          </p:nvPr>
+        </p:nvSpPr>
+        <p:spPr/>
+        <p:txBody>
+          <a:bodyPr/>
+          <a:lstStyle/>
+          <a:p>
+            <a:endParaRPr lang="en-US"/>
+          </a:p>
+        </p:txBody>
+      </p:sp>
+    </p:spTree>
+    <p:extLst>
+      <p:ext uri="{BB962C8B-B14F-4D97-AF65-F5344CB8AC3E}">
+        <p14:creationId xmlns:p14="http://schemas.microsoft.com/office/powerpoint/2010/main" val="3626886840"/>
       </p:ext>
     </p:extLst>
   </p:cSld>

--- a/project1.pptx
+++ b/project1.pptx
@@ -6,10 +6,15 @@
   </p:sldMasterIdLst>
   <p:sldIdLst>
     <p:sldId id="256" r:id="rId2"/>
-    <p:sldId id="259" r:id="rId3"/>
-    <p:sldId id="260" r:id="rId4"/>
-    <p:sldId id="261" r:id="rId5"/>
+    <p:sldId id="264" r:id="rId3"/>
+    <p:sldId id="259" r:id="rId4"/>
+    <p:sldId id="260" r:id="rId5"/>
     <p:sldId id="262" r:id="rId6"/>
+    <p:sldId id="263" r:id="rId7"/>
+    <p:sldId id="261" r:id="rId8"/>
+    <p:sldId id="266" r:id="rId9"/>
+    <p:sldId id="265" r:id="rId10"/>
+    <p:sldId id="267" r:id="rId11"/>
   </p:sldIdLst>
   <p:sldSz cx="12192000" cy="6858000"/>
   <p:notesSz cx="6858000" cy="9144000"/>
@@ -6042,7 +6047,7 @@
           <a:p>
             <a:r>
               <a:rPr lang="en-US" sz="4000" dirty="0"/>
-              <a:t>TCD, visibility and Weather Affect on Traffic(US and GA)</a:t>
+              <a:t>TCD, visibility and Other Causes that affect Traffic Delays (US and GA)</a:t>
             </a:r>
           </a:p>
         </p:txBody>
@@ -6079,6 +6084,64 @@
     <p:extLst>
       <p:ext uri="{BB962C8B-B14F-4D97-AF65-F5344CB8AC3E}">
         <p14:creationId xmlns:p14="http://schemas.microsoft.com/office/powerpoint/2010/main" val="1572185596"/>
+      </p:ext>
+    </p:extLst>
+  </p:cSld>
+  <p:clrMapOvr>
+    <a:masterClrMapping/>
+  </p:clrMapOvr>
+</p:sld>
+</file>
+
+<file path=ppt/slides/slide10.xml><?xml version="1.0" encoding="utf-8"?>
+<p:sld xmlns:a="http://schemas.openxmlformats.org/drawingml/2006/main" xmlns:r="http://schemas.openxmlformats.org/officeDocument/2006/relationships" xmlns:p="http://schemas.openxmlformats.org/presentationml/2006/main">
+  <p:cSld>
+    <p:spTree>
+      <p:nvGrpSpPr>
+        <p:cNvPr id="1" name=""/>
+        <p:cNvGrpSpPr/>
+        <p:nvPr/>
+      </p:nvGrpSpPr>
+      <p:grpSpPr>
+        <a:xfrm>
+          <a:off x="0" y="0"/>
+          <a:ext cx="0" cy="0"/>
+          <a:chOff x="0" y="0"/>
+          <a:chExt cx="0" cy="0"/>
+        </a:xfrm>
+      </p:grpSpPr>
+      <p:sp>
+        <p:nvSpPr>
+          <p:cNvPr id="6" name="Title 5">
+            <a:extLst>
+              <a:ext uri="{FF2B5EF4-FFF2-40B4-BE49-F238E27FC236}">
+                <a16:creationId xmlns:a16="http://schemas.microsoft.com/office/drawing/2014/main" id="{412CDD65-59C6-4A9D-8866-91337AA8461C}"/>
+              </a:ext>
+            </a:extLst>
+          </p:cNvPr>
+          <p:cNvSpPr>
+            <a:spLocks noGrp="1"/>
+          </p:cNvSpPr>
+          <p:nvPr>
+            <p:ph type="title"/>
+          </p:nvPr>
+        </p:nvSpPr>
+        <p:spPr/>
+        <p:txBody>
+          <a:bodyPr/>
+          <a:lstStyle/>
+          <a:p>
+            <a:r>
+              <a:rPr lang="en-US" dirty="0"/>
+              <a:t>Questions?</a:t>
+            </a:r>
+          </a:p>
+        </p:txBody>
+      </p:sp>
+    </p:spTree>
+    <p:extLst>
+      <p:ext uri="{BB962C8B-B14F-4D97-AF65-F5344CB8AC3E}">
+        <p14:creationId xmlns:p14="http://schemas.microsoft.com/office/powerpoint/2010/main" val="558314219"/>
       </p:ext>
     </p:extLst>
   </p:cSld>
@@ -6110,7 +6173,7 @@
           <p:cNvPr id="2" name="Title 1">
             <a:extLst>
               <a:ext uri="{FF2B5EF4-FFF2-40B4-BE49-F238E27FC236}">
-                <a16:creationId xmlns:a16="http://schemas.microsoft.com/office/drawing/2014/main" id="{FFC799B0-051F-49B7-B7CE-6D1F20DDB062}"/>
+                <a16:creationId xmlns:a16="http://schemas.microsoft.com/office/drawing/2014/main" id="{6C39AA6B-8890-437B-B26F-0318438FFBFE}"/>
               </a:ext>
             </a:extLst>
           </p:cNvPr>
@@ -6123,92 +6186,69 @@
         </p:nvSpPr>
         <p:spPr/>
         <p:txBody>
-          <a:bodyPr>
-            <a:normAutofit fontScale="90000"/>
-          </a:bodyPr>
+          <a:bodyPr/>
           <a:lstStyle/>
           <a:p>
             <a:r>
               <a:rPr lang="en-US" dirty="0"/>
-              <a:t>Likelihood of Delay due to Traffic Controls</a:t>
-            </a:r>
-          </a:p>
-        </p:txBody>
-      </p:sp>
-      <p:pic>
-        <p:nvPicPr>
-          <p:cNvPr id="7" name="Content Placeholder 6" descr="A screenshot of a cell phone&#10;&#10;Description automatically generated">
+              <a:t>Introduction</a:t>
+            </a:r>
+          </a:p>
+        </p:txBody>
+      </p:sp>
+      <p:sp>
+        <p:nvSpPr>
+          <p:cNvPr id="3" name="Content Placeholder 2">
             <a:extLst>
               <a:ext uri="{FF2B5EF4-FFF2-40B4-BE49-F238E27FC236}">
-                <a16:creationId xmlns:a16="http://schemas.microsoft.com/office/drawing/2014/main" id="{9C26F89F-6715-4E2F-883D-D55059D843E4}"/>
+                <a16:creationId xmlns:a16="http://schemas.microsoft.com/office/drawing/2014/main" id="{6C8F3A2F-1EAE-49B7-9815-2840354849C8}"/>
               </a:ext>
             </a:extLst>
           </p:cNvPr>
-          <p:cNvPicPr>
-            <a:picLocks noGrp="1" noChangeAspect="1"/>
-          </p:cNvPicPr>
-          <p:nvPr>
-            <p:ph sz="quarter" idx="13"/>
-          </p:nvPr>
-        </p:nvPicPr>
-        <p:blipFill>
-          <a:blip r:embed="rId2">
-            <a:extLst>
-              <a:ext uri="{28A0092B-C50C-407E-A947-70E740481C1C}">
-                <a14:useLocalDpi xmlns:a14="http://schemas.microsoft.com/office/drawing/2010/main" val="0"/>
-              </a:ext>
-            </a:extLst>
-          </a:blip>
-          <a:stretch>
-            <a:fillRect/>
-          </a:stretch>
-        </p:blipFill>
-        <p:spPr>
-          <a:xfrm>
-            <a:off x="746125" y="2063750"/>
-            <a:ext cx="4967287" cy="3311525"/>
-          </a:xfrm>
-        </p:spPr>
-      </p:pic>
-      <p:pic>
-        <p:nvPicPr>
-          <p:cNvPr id="12" name="Content Placeholder 11" descr="A screenshot of a cell phone&#10;&#10;Description automatically generated">
-            <a:extLst>
-              <a:ext uri="{FF2B5EF4-FFF2-40B4-BE49-F238E27FC236}">
-                <a16:creationId xmlns:a16="http://schemas.microsoft.com/office/drawing/2014/main" id="{FB7791F9-EC38-4E85-970B-17D9FE3C553F}"/>
-              </a:ext>
-            </a:extLst>
-          </p:cNvPr>
-          <p:cNvPicPr>
-            <a:picLocks noGrp="1" noChangeAspect="1"/>
-          </p:cNvPicPr>
-          <p:nvPr>
-            <p:ph sz="quarter" idx="14"/>
-          </p:nvPr>
-        </p:nvPicPr>
-        <p:blipFill>
-          <a:blip r:embed="rId3">
-            <a:extLst>
-              <a:ext uri="{28A0092B-C50C-407E-A947-70E740481C1C}">
-                <a14:useLocalDpi xmlns:a14="http://schemas.microsoft.com/office/drawing/2010/main" val="0"/>
-              </a:ext>
-            </a:extLst>
-          </a:blip>
-          <a:stretch>
-            <a:fillRect/>
-          </a:stretch>
-        </p:blipFill>
-        <p:spPr>
-          <a:xfrm>
-            <a:off x="6053931" y="2063750"/>
-            <a:ext cx="4967287" cy="3311525"/>
-          </a:xfrm>
-        </p:spPr>
-      </p:pic>
+          <p:cNvSpPr>
+            <a:spLocks noGrp="1"/>
+          </p:cNvSpPr>
+          <p:nvPr>
+            <p:ph idx="1"/>
+          </p:nvPr>
+        </p:nvSpPr>
+        <p:spPr/>
+        <p:txBody>
+          <a:bodyPr/>
+          <a:lstStyle/>
+          <a:p>
+            <a:r>
+              <a:rPr lang="en-US" dirty="0"/>
+              <a:t>Using a data set we found on Kaggle we wanted to determine the causes of traffic delays and the severity each had</a:t>
+            </a:r>
+          </a:p>
+          <a:p>
+            <a:r>
+              <a:rPr lang="en-US" dirty="0"/>
+              <a:t>Each member of the team focused on different causes and the severity related to each </a:t>
+            </a:r>
+          </a:p>
+          <a:p>
+            <a:r>
+              <a:rPr lang="en-US" dirty="0"/>
+              <a:t>Compare Georgia to National Trends</a:t>
+            </a:r>
+          </a:p>
+          <a:p>
+            <a:endParaRPr lang="en-US" dirty="0"/>
+          </a:p>
+          <a:p>
+            <a:endParaRPr lang="en-US" dirty="0"/>
+          </a:p>
+          <a:p>
+            <a:endParaRPr lang="en-US" dirty="0"/>
+          </a:p>
+        </p:txBody>
+      </p:sp>
     </p:spTree>
     <p:extLst>
       <p:ext uri="{BB962C8B-B14F-4D97-AF65-F5344CB8AC3E}">
-        <p14:creationId xmlns:p14="http://schemas.microsoft.com/office/powerpoint/2010/main" val="3888164755"/>
+        <p14:creationId xmlns:p14="http://schemas.microsoft.com/office/powerpoint/2010/main" val="2191121482"/>
       </p:ext>
     </p:extLst>
   </p:cSld>
@@ -6240,7 +6280,7 @@
           <p:cNvPr id="2" name="Title 1">
             <a:extLst>
               <a:ext uri="{FF2B5EF4-FFF2-40B4-BE49-F238E27FC236}">
-                <a16:creationId xmlns:a16="http://schemas.microsoft.com/office/drawing/2014/main" id="{63A92D61-117B-4D1B-98AF-478F4A324E77}"/>
+                <a16:creationId xmlns:a16="http://schemas.microsoft.com/office/drawing/2014/main" id="{FFC799B0-051F-49B7-B7CE-6D1F20DDB062}"/>
               </a:ext>
             </a:extLst>
           </p:cNvPr>
@@ -6253,12 +6293,14 @@
         </p:nvSpPr>
         <p:spPr/>
         <p:txBody>
-          <a:bodyPr/>
+          <a:bodyPr>
+            <a:normAutofit/>
+          </a:bodyPr>
           <a:lstStyle/>
           <a:p>
             <a:r>
               <a:rPr lang="en-US" dirty="0"/>
-              <a:t>Traffic Control Delay Severity</a:t>
+              <a:t>Traffic Control Devices</a:t>
             </a:r>
           </a:p>
         </p:txBody>
@@ -6268,7 +6310,7 @@
           <p:cNvPr id="7" name="Content Placeholder 6" descr="A screenshot of a cell phone&#10;&#10;Description automatically generated">
             <a:extLst>
               <a:ext uri="{FF2B5EF4-FFF2-40B4-BE49-F238E27FC236}">
-                <a16:creationId xmlns:a16="http://schemas.microsoft.com/office/drawing/2014/main" id="{924D32ED-A8C6-483B-807E-C257EAE25435}"/>
+                <a16:creationId xmlns:a16="http://schemas.microsoft.com/office/drawing/2014/main" id="{9C26F89F-6715-4E2F-883D-D55059D843E4}"/>
               </a:ext>
             </a:extLst>
           </p:cNvPr>
@@ -6303,7 +6345,7 @@
           <p:cNvPr id="12" name="Content Placeholder 11" descr="A screenshot of a cell phone&#10;&#10;Description automatically generated">
             <a:extLst>
               <a:ext uri="{FF2B5EF4-FFF2-40B4-BE49-F238E27FC236}">
-                <a16:creationId xmlns:a16="http://schemas.microsoft.com/office/drawing/2014/main" id="{75E1700C-673A-445B-878B-A54336C8D94C}"/>
+                <a16:creationId xmlns:a16="http://schemas.microsoft.com/office/drawing/2014/main" id="{FB7791F9-EC38-4E85-970B-17D9FE3C553F}"/>
               </a:ext>
             </a:extLst>
           </p:cNvPr>
@@ -6336,7 +6378,7 @@
     </p:spTree>
     <p:extLst>
       <p:ext uri="{BB962C8B-B14F-4D97-AF65-F5344CB8AC3E}">
-        <p14:creationId xmlns:p14="http://schemas.microsoft.com/office/powerpoint/2010/main" val="2136002016"/>
+        <p14:creationId xmlns:p14="http://schemas.microsoft.com/office/powerpoint/2010/main" val="3888164755"/>
       </p:ext>
     </p:extLst>
   </p:cSld>
@@ -6368,7 +6410,7 @@
           <p:cNvPr id="2" name="Title 1">
             <a:extLst>
               <a:ext uri="{FF2B5EF4-FFF2-40B4-BE49-F238E27FC236}">
-                <a16:creationId xmlns:a16="http://schemas.microsoft.com/office/drawing/2014/main" id="{9538E715-27D8-45C5-8CA4-1E8FDE427BB2}"/>
+                <a16:creationId xmlns:a16="http://schemas.microsoft.com/office/drawing/2014/main" id="{63A92D61-117B-4D1B-98AF-478F4A324E77}"/>
               </a:ext>
             </a:extLst>
           </p:cNvPr>
@@ -6386,65 +6428,85 @@
           <a:p>
             <a:r>
               <a:rPr lang="en-US" dirty="0"/>
-              <a:t>Maria</a:t>
-            </a:r>
-          </a:p>
-        </p:txBody>
-      </p:sp>
-      <p:sp>
-        <p:nvSpPr>
-          <p:cNvPr id="3" name="Content Placeholder 2">
+              <a:t>Traffic Control Delay Severity</a:t>
+            </a:r>
+          </a:p>
+        </p:txBody>
+      </p:sp>
+      <p:pic>
+        <p:nvPicPr>
+          <p:cNvPr id="7" name="Content Placeholder 6" descr="A screenshot of a cell phone&#10;&#10;Description automatically generated">
             <a:extLst>
               <a:ext uri="{FF2B5EF4-FFF2-40B4-BE49-F238E27FC236}">
-                <a16:creationId xmlns:a16="http://schemas.microsoft.com/office/drawing/2014/main" id="{EE289D64-64D6-46BA-9A0C-10D99CE44158}"/>
+                <a16:creationId xmlns:a16="http://schemas.microsoft.com/office/drawing/2014/main" id="{924D32ED-A8C6-483B-807E-C257EAE25435}"/>
               </a:ext>
             </a:extLst>
           </p:cNvPr>
-          <p:cNvSpPr>
-            <a:spLocks noGrp="1"/>
-          </p:cNvSpPr>
+          <p:cNvPicPr>
+            <a:picLocks noGrp="1" noChangeAspect="1"/>
+          </p:cNvPicPr>
           <p:nvPr>
             <p:ph sz="quarter" idx="13"/>
           </p:nvPr>
-        </p:nvSpPr>
-        <p:spPr/>
-        <p:txBody>
-          <a:bodyPr/>
-          <a:lstStyle/>
-          <a:p>
-            <a:endParaRPr lang="en-US"/>
-          </a:p>
-        </p:txBody>
-      </p:sp>
-      <p:sp>
-        <p:nvSpPr>
-          <p:cNvPr id="4" name="Content Placeholder 3">
+        </p:nvPicPr>
+        <p:blipFill>
+          <a:blip r:embed="rId2">
+            <a:extLst>
+              <a:ext uri="{28A0092B-C50C-407E-A947-70E740481C1C}">
+                <a14:useLocalDpi xmlns:a14="http://schemas.microsoft.com/office/drawing/2010/main" val="0"/>
+              </a:ext>
+            </a:extLst>
+          </a:blip>
+          <a:stretch>
+            <a:fillRect/>
+          </a:stretch>
+        </p:blipFill>
+        <p:spPr>
+          <a:xfrm>
+            <a:off x="746125" y="2063750"/>
+            <a:ext cx="4967287" cy="3311525"/>
+          </a:xfrm>
+        </p:spPr>
+      </p:pic>
+      <p:pic>
+        <p:nvPicPr>
+          <p:cNvPr id="12" name="Content Placeholder 11" descr="A screenshot of a cell phone&#10;&#10;Description automatically generated">
             <a:extLst>
               <a:ext uri="{FF2B5EF4-FFF2-40B4-BE49-F238E27FC236}">
-                <a16:creationId xmlns:a16="http://schemas.microsoft.com/office/drawing/2014/main" id="{124A297C-B8D7-4B23-95C3-E948FA09679A}"/>
+                <a16:creationId xmlns:a16="http://schemas.microsoft.com/office/drawing/2014/main" id="{75E1700C-673A-445B-878B-A54336C8D94C}"/>
               </a:ext>
             </a:extLst>
           </p:cNvPr>
-          <p:cNvSpPr>
-            <a:spLocks noGrp="1"/>
-          </p:cNvSpPr>
+          <p:cNvPicPr>
+            <a:picLocks noGrp="1" noChangeAspect="1"/>
+          </p:cNvPicPr>
           <p:nvPr>
             <p:ph sz="quarter" idx="14"/>
           </p:nvPr>
-        </p:nvSpPr>
-        <p:spPr/>
-        <p:txBody>
-          <a:bodyPr/>
-          <a:lstStyle/>
-          <a:p>
-            <a:endParaRPr lang="en-US"/>
-          </a:p>
-        </p:txBody>
-      </p:sp>
+        </p:nvPicPr>
+        <p:blipFill>
+          <a:blip r:embed="rId3">
+            <a:extLst>
+              <a:ext uri="{28A0092B-C50C-407E-A947-70E740481C1C}">
+                <a14:useLocalDpi xmlns:a14="http://schemas.microsoft.com/office/drawing/2010/main" val="0"/>
+              </a:ext>
+            </a:extLst>
+          </a:blip>
+          <a:stretch>
+            <a:fillRect/>
+          </a:stretch>
+        </p:blipFill>
+        <p:spPr>
+          <a:xfrm>
+            <a:off x="6053931" y="2063750"/>
+            <a:ext cx="4967287" cy="3311525"/>
+          </a:xfrm>
+        </p:spPr>
+      </p:pic>
     </p:spTree>
     <p:extLst>
       <p:ext uri="{BB962C8B-B14F-4D97-AF65-F5344CB8AC3E}">
-        <p14:creationId xmlns:p14="http://schemas.microsoft.com/office/powerpoint/2010/main" val="2870407785"/>
+        <p14:creationId xmlns:p14="http://schemas.microsoft.com/office/powerpoint/2010/main" val="2136002016"/>
       </p:ext>
     </p:extLst>
   </p:cSld>
@@ -6493,66 +6555,670 @@
           <a:lstStyle/>
           <a:p>
             <a:r>
-              <a:rPr lang="en-US"/>
-              <a:t>Franchesca</a:t>
-            </a:r>
-          </a:p>
-        </p:txBody>
-      </p:sp>
-      <p:sp>
-        <p:nvSpPr>
-          <p:cNvPr id="3" name="Content Placeholder 2">
+              <a:rPr lang="en-US" dirty="0"/>
+              <a:t>Weather </a:t>
+            </a:r>
+          </a:p>
+        </p:txBody>
+      </p:sp>
+      <p:pic>
+        <p:nvPicPr>
+          <p:cNvPr id="6" name="Content Placeholder 5" descr="A screenshot of a cell phone&#10;&#10;Description automatically generated">
             <a:extLst>
               <a:ext uri="{FF2B5EF4-FFF2-40B4-BE49-F238E27FC236}">
-                <a16:creationId xmlns:a16="http://schemas.microsoft.com/office/drawing/2014/main" id="{E5333577-F048-4E98-A9CE-8BAF8BFBEF2B}"/>
+                <a16:creationId xmlns:a16="http://schemas.microsoft.com/office/drawing/2014/main" id="{0A3BF0CA-D039-4F7C-9628-B023E1128B7C}"/>
               </a:ext>
             </a:extLst>
           </p:cNvPr>
-          <p:cNvSpPr>
-            <a:spLocks noGrp="1"/>
-          </p:cNvSpPr>
+          <p:cNvPicPr>
+            <a:picLocks noGrp="1" noChangeAspect="1"/>
+          </p:cNvPicPr>
           <p:nvPr>
             <p:ph sz="quarter" idx="13"/>
           </p:nvPr>
-        </p:nvSpPr>
-        <p:spPr/>
-        <p:txBody>
-          <a:bodyPr/>
-          <a:lstStyle/>
-          <a:p>
-            <a:endParaRPr lang="en-US"/>
-          </a:p>
-        </p:txBody>
-      </p:sp>
-      <p:sp>
-        <p:nvSpPr>
-          <p:cNvPr id="4" name="Content Placeholder 3">
+        </p:nvPicPr>
+        <p:blipFill>
+          <a:blip r:embed="rId2">
+            <a:extLst>
+              <a:ext uri="{28A0092B-C50C-407E-A947-70E740481C1C}">
+                <a14:useLocalDpi xmlns:a14="http://schemas.microsoft.com/office/drawing/2010/main" val="0"/>
+              </a:ext>
+            </a:extLst>
+          </a:blip>
+          <a:stretch>
+            <a:fillRect/>
+          </a:stretch>
+        </p:blipFill>
+        <p:spPr>
+          <a:xfrm>
+            <a:off x="685800" y="2606526"/>
+            <a:ext cx="5087938" cy="2225973"/>
+          </a:xfrm>
+        </p:spPr>
+      </p:pic>
+      <p:pic>
+        <p:nvPicPr>
+          <p:cNvPr id="8" name="Content Placeholder 7" descr="A screenshot of a cell phone&#10;&#10;Description automatically generated">
             <a:extLst>
               <a:ext uri="{FF2B5EF4-FFF2-40B4-BE49-F238E27FC236}">
-                <a16:creationId xmlns:a16="http://schemas.microsoft.com/office/drawing/2014/main" id="{6EA04D5F-7D29-4736-964A-9098CD1C1001}"/>
+                <a16:creationId xmlns:a16="http://schemas.microsoft.com/office/drawing/2014/main" id="{D91575B3-2F37-4044-8088-3305AFE163F7}"/>
               </a:ext>
             </a:extLst>
           </p:cNvPr>
-          <p:cNvSpPr>
-            <a:spLocks noGrp="1"/>
-          </p:cNvSpPr>
+          <p:cNvPicPr>
+            <a:picLocks noGrp="1" noChangeAspect="1"/>
+          </p:cNvPicPr>
           <p:nvPr>
             <p:ph sz="quarter" idx="14"/>
           </p:nvPr>
-        </p:nvSpPr>
-        <p:spPr/>
-        <p:txBody>
-          <a:bodyPr/>
-          <a:lstStyle/>
-          <a:p>
-            <a:endParaRPr lang="en-US"/>
-          </a:p>
-        </p:txBody>
-      </p:sp>
+        </p:nvPicPr>
+        <p:blipFill>
+          <a:blip r:embed="rId3">
+            <a:extLst>
+              <a:ext uri="{28A0092B-C50C-407E-A947-70E740481C1C}">
+                <a14:useLocalDpi xmlns:a14="http://schemas.microsoft.com/office/drawing/2010/main" val="0"/>
+              </a:ext>
+            </a:extLst>
+          </a:blip>
+          <a:stretch>
+            <a:fillRect/>
+          </a:stretch>
+        </p:blipFill>
+        <p:spPr>
+          <a:xfrm>
+            <a:off x="5994400" y="2606873"/>
+            <a:ext cx="5086350" cy="2225278"/>
+          </a:xfrm>
+        </p:spPr>
+      </p:pic>
     </p:spTree>
     <p:extLst>
       <p:ext uri="{BB962C8B-B14F-4D97-AF65-F5344CB8AC3E}">
         <p14:creationId xmlns:p14="http://schemas.microsoft.com/office/powerpoint/2010/main" val="3626886840"/>
+      </p:ext>
+    </p:extLst>
+  </p:cSld>
+  <p:clrMapOvr>
+    <a:masterClrMapping/>
+  </p:clrMapOvr>
+</p:sld>
+</file>
+
+<file path=ppt/slides/slide6.xml><?xml version="1.0" encoding="utf-8"?>
+<p:sld xmlns:a="http://schemas.openxmlformats.org/drawingml/2006/main" xmlns:r="http://schemas.openxmlformats.org/officeDocument/2006/relationships" xmlns:p="http://schemas.openxmlformats.org/presentationml/2006/main">
+  <p:cSld>
+    <p:spTree>
+      <p:nvGrpSpPr>
+        <p:cNvPr id="1" name=""/>
+        <p:cNvGrpSpPr/>
+        <p:nvPr/>
+      </p:nvGrpSpPr>
+      <p:grpSpPr>
+        <a:xfrm>
+          <a:off x="0" y="0"/>
+          <a:ext cx="0" cy="0"/>
+          <a:chOff x="0" y="0"/>
+          <a:chExt cx="0" cy="0"/>
+        </a:xfrm>
+      </p:grpSpPr>
+      <p:sp>
+        <p:nvSpPr>
+          <p:cNvPr id="2" name="Title 1">
+            <a:extLst>
+              <a:ext uri="{FF2B5EF4-FFF2-40B4-BE49-F238E27FC236}">
+                <a16:creationId xmlns:a16="http://schemas.microsoft.com/office/drawing/2014/main" id="{859CCADE-7ACD-493F-A97C-0E46F87672D6}"/>
+              </a:ext>
+            </a:extLst>
+          </p:cNvPr>
+          <p:cNvSpPr>
+            <a:spLocks noGrp="1"/>
+          </p:cNvSpPr>
+          <p:nvPr>
+            <p:ph type="title"/>
+          </p:nvPr>
+        </p:nvSpPr>
+        <p:spPr/>
+        <p:txBody>
+          <a:bodyPr/>
+          <a:lstStyle/>
+          <a:p>
+            <a:r>
+              <a:rPr lang="en-US" dirty="0"/>
+              <a:t>Weather Severity</a:t>
+            </a:r>
+          </a:p>
+        </p:txBody>
+      </p:sp>
+      <p:pic>
+        <p:nvPicPr>
+          <p:cNvPr id="6" name="Content Placeholder 5" descr="A screenshot of a cell phone&#10;&#10;Description automatically generated">
+            <a:extLst>
+              <a:ext uri="{FF2B5EF4-FFF2-40B4-BE49-F238E27FC236}">
+                <a16:creationId xmlns:a16="http://schemas.microsoft.com/office/drawing/2014/main" id="{9D9B3CAB-58D8-428F-9E0D-443441E77F56}"/>
+              </a:ext>
+            </a:extLst>
+          </p:cNvPr>
+          <p:cNvPicPr>
+            <a:picLocks noGrp="1" noChangeAspect="1"/>
+          </p:cNvPicPr>
+          <p:nvPr>
+            <p:ph sz="quarter" idx="13"/>
+          </p:nvPr>
+        </p:nvPicPr>
+        <p:blipFill>
+          <a:blip r:embed="rId2">
+            <a:extLst>
+              <a:ext uri="{28A0092B-C50C-407E-A947-70E740481C1C}">
+                <a14:useLocalDpi xmlns:a14="http://schemas.microsoft.com/office/drawing/2010/main" val="0"/>
+              </a:ext>
+            </a:extLst>
+          </a:blip>
+          <a:stretch>
+            <a:fillRect/>
+          </a:stretch>
+        </p:blipFill>
+        <p:spPr>
+          <a:xfrm>
+            <a:off x="746125" y="2063750"/>
+            <a:ext cx="4967287" cy="3311525"/>
+          </a:xfrm>
+        </p:spPr>
+      </p:pic>
+      <p:pic>
+        <p:nvPicPr>
+          <p:cNvPr id="8" name="Content Placeholder 7" descr="A close up of a map&#10;&#10;Description automatically generated">
+            <a:extLst>
+              <a:ext uri="{FF2B5EF4-FFF2-40B4-BE49-F238E27FC236}">
+                <a16:creationId xmlns:a16="http://schemas.microsoft.com/office/drawing/2014/main" id="{5F559185-6C33-4EDD-872F-CA0E8FA9F55F}"/>
+              </a:ext>
+            </a:extLst>
+          </p:cNvPr>
+          <p:cNvPicPr>
+            <a:picLocks noGrp="1" noChangeAspect="1"/>
+          </p:cNvPicPr>
+          <p:nvPr>
+            <p:ph sz="quarter" idx="14"/>
+          </p:nvPr>
+        </p:nvPicPr>
+        <p:blipFill>
+          <a:blip r:embed="rId3">
+            <a:extLst>
+              <a:ext uri="{28A0092B-C50C-407E-A947-70E740481C1C}">
+                <a14:useLocalDpi xmlns:a14="http://schemas.microsoft.com/office/drawing/2010/main" val="0"/>
+              </a:ext>
+            </a:extLst>
+          </a:blip>
+          <a:stretch>
+            <a:fillRect/>
+          </a:stretch>
+        </p:blipFill>
+        <p:spPr>
+          <a:xfrm>
+            <a:off x="6053931" y="2063750"/>
+            <a:ext cx="4967287" cy="3311525"/>
+          </a:xfrm>
+        </p:spPr>
+      </p:pic>
+    </p:spTree>
+    <p:extLst>
+      <p:ext uri="{BB962C8B-B14F-4D97-AF65-F5344CB8AC3E}">
+        <p14:creationId xmlns:p14="http://schemas.microsoft.com/office/powerpoint/2010/main" val="2130530836"/>
+      </p:ext>
+    </p:extLst>
+  </p:cSld>
+  <p:clrMapOvr>
+    <a:masterClrMapping/>
+  </p:clrMapOvr>
+</p:sld>
+</file>
+
+<file path=ppt/slides/slide7.xml><?xml version="1.0" encoding="utf-8"?>
+<p:sld xmlns:a="http://schemas.openxmlformats.org/drawingml/2006/main" xmlns:r="http://schemas.openxmlformats.org/officeDocument/2006/relationships" xmlns:p="http://schemas.openxmlformats.org/presentationml/2006/main">
+  <p:cSld>
+    <p:spTree>
+      <p:nvGrpSpPr>
+        <p:cNvPr id="1" name=""/>
+        <p:cNvGrpSpPr/>
+        <p:nvPr/>
+      </p:nvGrpSpPr>
+      <p:grpSpPr>
+        <a:xfrm>
+          <a:off x="0" y="0"/>
+          <a:ext cx="0" cy="0"/>
+          <a:chOff x="0" y="0"/>
+          <a:chExt cx="0" cy="0"/>
+        </a:xfrm>
+      </p:grpSpPr>
+      <p:sp>
+        <p:nvSpPr>
+          <p:cNvPr id="2" name="Title 1">
+            <a:extLst>
+              <a:ext uri="{FF2B5EF4-FFF2-40B4-BE49-F238E27FC236}">
+                <a16:creationId xmlns:a16="http://schemas.microsoft.com/office/drawing/2014/main" id="{9538E715-27D8-45C5-8CA4-1E8FDE427BB2}"/>
+              </a:ext>
+            </a:extLst>
+          </p:cNvPr>
+          <p:cNvSpPr>
+            <a:spLocks noGrp="1"/>
+          </p:cNvSpPr>
+          <p:nvPr>
+            <p:ph type="title"/>
+          </p:nvPr>
+        </p:nvSpPr>
+        <p:spPr/>
+        <p:txBody>
+          <a:bodyPr>
+            <a:normAutofit/>
+          </a:bodyPr>
+          <a:lstStyle/>
+          <a:p>
+            <a:r>
+              <a:rPr lang="en-US" dirty="0"/>
+              <a:t>Other Weather Factors</a:t>
+            </a:r>
+          </a:p>
+        </p:txBody>
+      </p:sp>
+      <p:pic>
+        <p:nvPicPr>
+          <p:cNvPr id="6" name="Content Placeholder 5" descr="A screenshot of a cell phone&#10;&#10;Description automatically generated">
+            <a:extLst>
+              <a:ext uri="{FF2B5EF4-FFF2-40B4-BE49-F238E27FC236}">
+                <a16:creationId xmlns:a16="http://schemas.microsoft.com/office/drawing/2014/main" id="{2EC4A438-AABB-469D-881E-861662C95DA1}"/>
+              </a:ext>
+            </a:extLst>
+          </p:cNvPr>
+          <p:cNvPicPr>
+            <a:picLocks noGrp="1" noChangeAspect="1"/>
+          </p:cNvPicPr>
+          <p:nvPr>
+            <p:ph sz="quarter" idx="13"/>
+          </p:nvPr>
+        </p:nvPicPr>
+        <p:blipFill>
+          <a:blip r:embed="rId2">
+            <a:extLst>
+              <a:ext uri="{28A0092B-C50C-407E-A947-70E740481C1C}">
+                <a14:useLocalDpi xmlns:a14="http://schemas.microsoft.com/office/drawing/2010/main" val="0"/>
+              </a:ext>
+            </a:extLst>
+          </a:blip>
+          <a:stretch>
+            <a:fillRect/>
+          </a:stretch>
+        </p:blipFill>
+        <p:spPr>
+          <a:xfrm>
+            <a:off x="685800" y="2606526"/>
+            <a:ext cx="5087938" cy="2225973"/>
+          </a:xfrm>
+        </p:spPr>
+      </p:pic>
+      <p:pic>
+        <p:nvPicPr>
+          <p:cNvPr id="8" name="Content Placeholder 7" descr="A screenshot of a cell phone&#10;&#10;Description automatically generated">
+            <a:extLst>
+              <a:ext uri="{FF2B5EF4-FFF2-40B4-BE49-F238E27FC236}">
+                <a16:creationId xmlns:a16="http://schemas.microsoft.com/office/drawing/2014/main" id="{B787B0B1-E7E5-4C48-B67B-30EDA2460A21}"/>
+              </a:ext>
+            </a:extLst>
+          </p:cNvPr>
+          <p:cNvPicPr>
+            <a:picLocks noGrp="1" noChangeAspect="1"/>
+          </p:cNvPicPr>
+          <p:nvPr>
+            <p:ph sz="quarter" idx="14"/>
+          </p:nvPr>
+        </p:nvPicPr>
+        <p:blipFill>
+          <a:blip r:embed="rId3">
+            <a:extLst>
+              <a:ext uri="{28A0092B-C50C-407E-A947-70E740481C1C}">
+                <a14:useLocalDpi xmlns:a14="http://schemas.microsoft.com/office/drawing/2010/main" val="0"/>
+              </a:ext>
+            </a:extLst>
+          </a:blip>
+          <a:stretch>
+            <a:fillRect/>
+          </a:stretch>
+        </p:blipFill>
+        <p:spPr>
+          <a:xfrm>
+            <a:off x="5994400" y="2606873"/>
+            <a:ext cx="5086350" cy="2225278"/>
+          </a:xfrm>
+        </p:spPr>
+      </p:pic>
+    </p:spTree>
+    <p:extLst>
+      <p:ext uri="{BB962C8B-B14F-4D97-AF65-F5344CB8AC3E}">
+        <p14:creationId xmlns:p14="http://schemas.microsoft.com/office/powerpoint/2010/main" val="2870407785"/>
+      </p:ext>
+    </p:extLst>
+  </p:cSld>
+  <p:clrMapOvr>
+    <a:masterClrMapping/>
+  </p:clrMapOvr>
+</p:sld>
+</file>
+
+<file path=ppt/slides/slide8.xml><?xml version="1.0" encoding="utf-8"?>
+<p:sld xmlns:a="http://schemas.openxmlformats.org/drawingml/2006/main" xmlns:r="http://schemas.openxmlformats.org/officeDocument/2006/relationships" xmlns:p="http://schemas.openxmlformats.org/presentationml/2006/main">
+  <p:cSld>
+    <p:spTree>
+      <p:nvGrpSpPr>
+        <p:cNvPr id="1" name=""/>
+        <p:cNvGrpSpPr/>
+        <p:nvPr/>
+      </p:nvGrpSpPr>
+      <p:grpSpPr>
+        <a:xfrm>
+          <a:off x="0" y="0"/>
+          <a:ext cx="0" cy="0"/>
+          <a:chOff x="0" y="0"/>
+          <a:chExt cx="0" cy="0"/>
+        </a:xfrm>
+      </p:grpSpPr>
+      <p:sp>
+        <p:nvSpPr>
+          <p:cNvPr id="2" name="Title 1">
+            <a:extLst>
+              <a:ext uri="{FF2B5EF4-FFF2-40B4-BE49-F238E27FC236}">
+                <a16:creationId xmlns:a16="http://schemas.microsoft.com/office/drawing/2014/main" id="{BBF87FFC-F3E3-452E-A28A-90BD6C7C6392}"/>
+              </a:ext>
+            </a:extLst>
+          </p:cNvPr>
+          <p:cNvSpPr>
+            <a:spLocks noGrp="1"/>
+          </p:cNvSpPr>
+          <p:nvPr>
+            <p:ph type="title"/>
+          </p:nvPr>
+        </p:nvSpPr>
+        <p:spPr/>
+        <p:txBody>
+          <a:bodyPr/>
+          <a:lstStyle/>
+          <a:p>
+            <a:r>
+              <a:rPr lang="en-US" dirty="0"/>
+              <a:t>Weather that Doesn’t Affect Traffic</a:t>
+            </a:r>
+          </a:p>
+        </p:txBody>
+      </p:sp>
+      <p:pic>
+        <p:nvPicPr>
+          <p:cNvPr id="6" name="Content Placeholder 5" descr="A screenshot of a cell phone&#10;&#10;Description automatically generated">
+            <a:extLst>
+              <a:ext uri="{FF2B5EF4-FFF2-40B4-BE49-F238E27FC236}">
+                <a16:creationId xmlns:a16="http://schemas.microsoft.com/office/drawing/2014/main" id="{F5820E06-4AF1-45C3-A26A-FAF34EED11C0}"/>
+              </a:ext>
+            </a:extLst>
+          </p:cNvPr>
+          <p:cNvPicPr>
+            <a:picLocks noGrp="1" noChangeAspect="1"/>
+          </p:cNvPicPr>
+          <p:nvPr>
+            <p:ph sz="quarter" idx="13"/>
+          </p:nvPr>
+        </p:nvPicPr>
+        <p:blipFill>
+          <a:blip r:embed="rId2">
+            <a:extLst>
+              <a:ext uri="{28A0092B-C50C-407E-A947-70E740481C1C}">
+                <a14:useLocalDpi xmlns:a14="http://schemas.microsoft.com/office/drawing/2010/main" val="0"/>
+              </a:ext>
+            </a:extLst>
+          </a:blip>
+          <a:stretch>
+            <a:fillRect/>
+          </a:stretch>
+        </p:blipFill>
+        <p:spPr>
+          <a:xfrm>
+            <a:off x="304248" y="1843940"/>
+            <a:ext cx="5087938" cy="2225973"/>
+          </a:xfrm>
+        </p:spPr>
+      </p:pic>
+      <p:pic>
+        <p:nvPicPr>
+          <p:cNvPr id="8" name="Content Placeholder 7" descr="A screenshot of a cell phone&#10;&#10;Description automatically generated">
+            <a:extLst>
+              <a:ext uri="{FF2B5EF4-FFF2-40B4-BE49-F238E27FC236}">
+                <a16:creationId xmlns:a16="http://schemas.microsoft.com/office/drawing/2014/main" id="{4F1E1ED0-CAA1-4D00-B485-2E9EEC9837C8}"/>
+              </a:ext>
+            </a:extLst>
+          </p:cNvPr>
+          <p:cNvPicPr>
+            <a:picLocks noGrp="1" noChangeAspect="1"/>
+          </p:cNvPicPr>
+          <p:nvPr>
+            <p:ph sz="quarter" idx="14"/>
+          </p:nvPr>
+        </p:nvPicPr>
+        <p:blipFill>
+          <a:blip r:embed="rId3">
+            <a:extLst>
+              <a:ext uri="{28A0092B-C50C-407E-A947-70E740481C1C}">
+                <a14:useLocalDpi xmlns:a14="http://schemas.microsoft.com/office/drawing/2010/main" val="0"/>
+              </a:ext>
+            </a:extLst>
+          </a:blip>
+          <a:stretch>
+            <a:fillRect/>
+          </a:stretch>
+        </p:blipFill>
+        <p:spPr>
+          <a:xfrm>
+            <a:off x="5884242" y="1843940"/>
+            <a:ext cx="5086350" cy="2225278"/>
+          </a:xfrm>
+        </p:spPr>
+      </p:pic>
+      <p:pic>
+        <p:nvPicPr>
+          <p:cNvPr id="10" name="Picture 9" descr="A screenshot of a cell phone&#10;&#10;Description automatically generated">
+            <a:extLst>
+              <a:ext uri="{FF2B5EF4-FFF2-40B4-BE49-F238E27FC236}">
+                <a16:creationId xmlns:a16="http://schemas.microsoft.com/office/drawing/2014/main" id="{40FB55D9-390E-4C5D-825E-99F73E7D2A84}"/>
+              </a:ext>
+            </a:extLst>
+          </p:cNvPr>
+          <p:cNvPicPr>
+            <a:picLocks noChangeAspect="1"/>
+          </p:cNvPicPr>
+          <p:nvPr/>
+        </p:nvPicPr>
+        <p:blipFill>
+          <a:blip r:embed="rId4">
+            <a:extLst>
+              <a:ext uri="{28A0092B-C50C-407E-A947-70E740481C1C}">
+                <a14:useLocalDpi xmlns:a14="http://schemas.microsoft.com/office/drawing/2010/main" val="0"/>
+              </a:ext>
+            </a:extLst>
+          </a:blip>
+          <a:stretch>
+            <a:fillRect/>
+          </a:stretch>
+        </p:blipFill>
+        <p:spPr>
+          <a:xfrm>
+            <a:off x="2452653" y="4240696"/>
+            <a:ext cx="6891130" cy="2493685"/>
+          </a:xfrm>
+          <a:prstGeom prst="rect">
+            <a:avLst/>
+          </a:prstGeom>
+        </p:spPr>
+      </p:pic>
+    </p:spTree>
+    <p:extLst>
+      <p:ext uri="{BB962C8B-B14F-4D97-AF65-F5344CB8AC3E}">
+        <p14:creationId xmlns:p14="http://schemas.microsoft.com/office/powerpoint/2010/main" val="723340435"/>
+      </p:ext>
+    </p:extLst>
+  </p:cSld>
+  <p:clrMapOvr>
+    <a:masterClrMapping/>
+  </p:clrMapOvr>
+</p:sld>
+</file>
+
+<file path=ppt/slides/slide9.xml><?xml version="1.0" encoding="utf-8"?>
+<p:sld xmlns:a="http://schemas.openxmlformats.org/drawingml/2006/main" xmlns:r="http://schemas.openxmlformats.org/officeDocument/2006/relationships" xmlns:p="http://schemas.openxmlformats.org/presentationml/2006/main">
+  <p:cSld>
+    <p:spTree>
+      <p:nvGrpSpPr>
+        <p:cNvPr id="1" name=""/>
+        <p:cNvGrpSpPr/>
+        <p:nvPr/>
+      </p:nvGrpSpPr>
+      <p:grpSpPr>
+        <a:xfrm>
+          <a:off x="0" y="0"/>
+          <a:ext cx="0" cy="0"/>
+          <a:chOff x="0" y="0"/>
+          <a:chExt cx="0" cy="0"/>
+        </a:xfrm>
+      </p:grpSpPr>
+      <p:sp>
+        <p:nvSpPr>
+          <p:cNvPr id="5" name="Title 4">
+            <a:extLst>
+              <a:ext uri="{FF2B5EF4-FFF2-40B4-BE49-F238E27FC236}">
+                <a16:creationId xmlns:a16="http://schemas.microsoft.com/office/drawing/2014/main" id="{7335F68D-B9E5-4DB0-BA13-C728FC3E80D2}"/>
+              </a:ext>
+            </a:extLst>
+          </p:cNvPr>
+          <p:cNvSpPr>
+            <a:spLocks noGrp="1"/>
+          </p:cNvSpPr>
+          <p:nvPr>
+            <p:ph type="title"/>
+          </p:nvPr>
+        </p:nvSpPr>
+        <p:spPr/>
+        <p:txBody>
+          <a:bodyPr/>
+          <a:lstStyle/>
+          <a:p>
+            <a:r>
+              <a:rPr lang="en-US" dirty="0"/>
+              <a:t>Summary</a:t>
+            </a:r>
+          </a:p>
+        </p:txBody>
+      </p:sp>
+      <p:sp>
+        <p:nvSpPr>
+          <p:cNvPr id="6" name="Content Placeholder 5">
+            <a:extLst>
+              <a:ext uri="{FF2B5EF4-FFF2-40B4-BE49-F238E27FC236}">
+                <a16:creationId xmlns:a16="http://schemas.microsoft.com/office/drawing/2014/main" id="{14E768BB-E70A-440B-8A0D-124A4995AB1B}"/>
+              </a:ext>
+            </a:extLst>
+          </p:cNvPr>
+          <p:cNvSpPr>
+            <a:spLocks noGrp="1"/>
+          </p:cNvSpPr>
+          <p:nvPr>
+            <p:ph idx="1"/>
+          </p:nvPr>
+        </p:nvSpPr>
+        <p:spPr/>
+        <p:txBody>
+          <a:bodyPr>
+            <a:normAutofit/>
+          </a:bodyPr>
+          <a:lstStyle/>
+          <a:p>
+            <a:r>
+              <a:rPr lang="en-US" dirty="0"/>
+              <a:t>Traffic Control Devices</a:t>
+            </a:r>
+          </a:p>
+          <a:p>
+            <a:pPr lvl="1"/>
+            <a:r>
+              <a:rPr lang="en-US" dirty="0"/>
+              <a:t>Most delays at Traffic Control Delays occur at Traffic Lights </a:t>
+            </a:r>
+          </a:p>
+          <a:p>
+            <a:pPr lvl="1"/>
+            <a:r>
+              <a:rPr lang="en-US" dirty="0"/>
+              <a:t>Severity at Yield Signs have the greatest severity</a:t>
+            </a:r>
+          </a:p>
+          <a:p>
+            <a:pPr lvl="1"/>
+            <a:r>
+              <a:rPr lang="en-US" dirty="0"/>
+              <a:t>Limited difference between the US and Georgia</a:t>
+            </a:r>
+          </a:p>
+          <a:p>
+            <a:r>
+              <a:rPr lang="en-US" dirty="0"/>
+              <a:t>Weather</a:t>
+            </a:r>
+          </a:p>
+          <a:p>
+            <a:pPr lvl="1"/>
+            <a:r>
+              <a:rPr lang="en-US" dirty="0"/>
+              <a:t>Most delays occur when the weather is clear</a:t>
+            </a:r>
+          </a:p>
+          <a:p>
+            <a:pPr lvl="1"/>
+            <a:r>
+              <a:rPr lang="en-US" dirty="0"/>
+              <a:t>Nationwide, delays that occur during rain are the most severe</a:t>
+            </a:r>
+          </a:p>
+          <a:p>
+            <a:pPr lvl="1"/>
+            <a:r>
+              <a:rPr lang="en-US" dirty="0"/>
+              <a:t>In Georgia, when clouds are involved severity is greatest</a:t>
+            </a:r>
+          </a:p>
+          <a:p>
+            <a:pPr lvl="1"/>
+            <a:r>
+              <a:rPr lang="en-US" dirty="0"/>
+              <a:t>Visibility and Rain increase the likelihood of a traffic delay</a:t>
+            </a:r>
+          </a:p>
+          <a:p>
+            <a:pPr lvl="1"/>
+            <a:r>
+              <a:rPr lang="en-US" dirty="0"/>
+              <a:t>Temperature, Windchill and Humidity have no affect on traffic</a:t>
+            </a:r>
+          </a:p>
+          <a:p>
+            <a:pPr lvl="1"/>
+            <a:endParaRPr lang="en-US" dirty="0"/>
+          </a:p>
+          <a:p>
+            <a:pPr lvl="1"/>
+            <a:endParaRPr lang="en-US" dirty="0"/>
+          </a:p>
+          <a:p>
+            <a:pPr lvl="1"/>
+            <a:endParaRPr lang="en-US" dirty="0"/>
+          </a:p>
+        </p:txBody>
+      </p:sp>
+    </p:spTree>
+    <p:extLst>
+      <p:ext uri="{BB962C8B-B14F-4D97-AF65-F5344CB8AC3E}">
+        <p14:creationId xmlns:p14="http://schemas.microsoft.com/office/powerpoint/2010/main" val="1305507921"/>
       </p:ext>
     </p:extLst>
   </p:cSld>

--- a/project1.pptx
+++ b/project1.pptx
@@ -11,8 +11,8 @@
     <p:sldId id="260" r:id="rId5"/>
     <p:sldId id="262" r:id="rId6"/>
     <p:sldId id="263" r:id="rId7"/>
-    <p:sldId id="261" r:id="rId8"/>
-    <p:sldId id="266" r:id="rId9"/>
+    <p:sldId id="268" r:id="rId8"/>
+    <p:sldId id="261" r:id="rId9"/>
     <p:sldId id="265" r:id="rId10"/>
     <p:sldId id="267" r:id="rId11"/>
   </p:sldIdLst>
@@ -291,7 +291,7 @@
           <a:p>
             <a:fld id="{1EF2611C-1D6D-4C57-B31D-145D2C54CABE}" type="datetimeFigureOut">
               <a:rPr lang="en-US" smtClean="0"/>
-              <a:t>1/9/2020</a:t>
+              <a:t>1/11/2020</a:t>
             </a:fld>
             <a:endParaRPr lang="en-US"/>
           </a:p>
@@ -563,7 +563,7 @@
           <a:p>
             <a:fld id="{1EF2611C-1D6D-4C57-B31D-145D2C54CABE}" type="datetimeFigureOut">
               <a:rPr lang="en-US" smtClean="0"/>
-              <a:t>1/9/2020</a:t>
+              <a:t>1/11/2020</a:t>
             </a:fld>
             <a:endParaRPr lang="en-US"/>
           </a:p>
@@ -794,7 +794,7 @@
           <a:p>
             <a:fld id="{1EF2611C-1D6D-4C57-B31D-145D2C54CABE}" type="datetimeFigureOut">
               <a:rPr lang="en-US" smtClean="0"/>
-              <a:t>1/9/2020</a:t>
+              <a:t>1/11/2020</a:t>
             </a:fld>
             <a:endParaRPr lang="en-US"/>
           </a:p>
@@ -1104,7 +1104,7 @@
           <a:p>
             <a:fld id="{1EF2611C-1D6D-4C57-B31D-145D2C54CABE}" type="datetimeFigureOut">
               <a:rPr lang="en-US" smtClean="0"/>
-              <a:t>1/9/2020</a:t>
+              <a:t>1/11/2020</a:t>
             </a:fld>
             <a:endParaRPr lang="en-US"/>
           </a:p>
@@ -1577,7 +1577,7 @@
           <a:p>
             <a:fld id="{1EF2611C-1D6D-4C57-B31D-145D2C54CABE}" type="datetimeFigureOut">
               <a:rPr lang="en-US" smtClean="0"/>
-              <a:t>1/9/2020</a:t>
+              <a:t>1/11/2020</a:t>
             </a:fld>
             <a:endParaRPr lang="en-US"/>
           </a:p>
@@ -2124,7 +2124,7 @@
           <a:p>
             <a:fld id="{1EF2611C-1D6D-4C57-B31D-145D2C54CABE}" type="datetimeFigureOut">
               <a:rPr lang="en-US" smtClean="0"/>
-              <a:t>1/9/2020</a:t>
+              <a:t>1/11/2020</a:t>
             </a:fld>
             <a:endParaRPr lang="en-US"/>
           </a:p>
@@ -2898,7 +2898,7 @@
           <a:p>
             <a:fld id="{1EF2611C-1D6D-4C57-B31D-145D2C54CABE}" type="datetimeFigureOut">
               <a:rPr lang="en-US" smtClean="0"/>
-              <a:t>1/9/2020</a:t>
+              <a:t>1/11/2020</a:t>
             </a:fld>
             <a:endParaRPr lang="en-US"/>
           </a:p>
@@ -3073,7 +3073,7 @@
           <a:p>
             <a:fld id="{1EF2611C-1D6D-4C57-B31D-145D2C54CABE}" type="datetimeFigureOut">
               <a:rPr lang="en-US" smtClean="0"/>
-              <a:t>1/9/2020</a:t>
+              <a:t>1/11/2020</a:t>
             </a:fld>
             <a:endParaRPr lang="en-US"/>
           </a:p>
@@ -3296,7 +3296,7 @@
           <a:p>
             <a:fld id="{1EF2611C-1D6D-4C57-B31D-145D2C54CABE}" type="datetimeFigureOut">
               <a:rPr lang="en-US" smtClean="0"/>
-              <a:t>1/9/2020</a:t>
+              <a:t>1/11/2020</a:t>
             </a:fld>
             <a:endParaRPr lang="en-US"/>
           </a:p>
@@ -3543,7 +3543,7 @@
           <a:p>
             <a:fld id="{1EF2611C-1D6D-4C57-B31D-145D2C54CABE}" type="datetimeFigureOut">
               <a:rPr lang="en-US" smtClean="0"/>
-              <a:t>1/9/2020</a:t>
+              <a:t>1/11/2020</a:t>
             </a:fld>
             <a:endParaRPr lang="en-US"/>
           </a:p>
@@ -3713,7 +3713,7 @@
           <a:p>
             <a:fld id="{1EF2611C-1D6D-4C57-B31D-145D2C54CABE}" type="datetimeFigureOut">
               <a:rPr lang="en-US" smtClean="0"/>
-              <a:t>1/9/2020</a:t>
+              <a:t>1/11/2020</a:t>
             </a:fld>
             <a:endParaRPr lang="en-US"/>
           </a:p>
@@ -4002,7 +4002,7 @@
           <a:p>
             <a:fld id="{1EF2611C-1D6D-4C57-B31D-145D2C54CABE}" type="datetimeFigureOut">
               <a:rPr lang="en-US" smtClean="0"/>
-              <a:t>1/9/2020</a:t>
+              <a:t>1/11/2020</a:t>
             </a:fld>
             <a:endParaRPr lang="en-US"/>
           </a:p>
@@ -4244,7 +4244,7 @@
           <a:p>
             <a:fld id="{1EF2611C-1D6D-4C57-B31D-145D2C54CABE}" type="datetimeFigureOut">
               <a:rPr lang="en-US" smtClean="0"/>
-              <a:t>1/9/2020</a:t>
+              <a:t>1/11/2020</a:t>
             </a:fld>
             <a:endParaRPr lang="en-US"/>
           </a:p>
@@ -4628,7 +4628,7 @@
           <a:p>
             <a:fld id="{1EF2611C-1D6D-4C57-B31D-145D2C54CABE}" type="datetimeFigureOut">
               <a:rPr lang="en-US" smtClean="0"/>
-              <a:t>1/9/2020</a:t>
+              <a:t>1/11/2020</a:t>
             </a:fld>
             <a:endParaRPr lang="en-US"/>
           </a:p>
@@ -4751,7 +4751,7 @@
           <a:p>
             <a:fld id="{1EF2611C-1D6D-4C57-B31D-145D2C54CABE}" type="datetimeFigureOut">
               <a:rPr lang="en-US" smtClean="0"/>
-              <a:t>1/9/2020</a:t>
+              <a:t>1/11/2020</a:t>
             </a:fld>
             <a:endParaRPr lang="en-US"/>
           </a:p>
@@ -4846,7 +4846,7 @@
           <a:p>
             <a:fld id="{1EF2611C-1D6D-4C57-B31D-145D2C54CABE}" type="datetimeFigureOut">
               <a:rPr lang="en-US" smtClean="0"/>
-              <a:t>1/9/2020</a:t>
+              <a:t>1/11/2020</a:t>
             </a:fld>
             <a:endParaRPr lang="en-US"/>
           </a:p>
@@ -5100,7 +5100,7 @@
           <a:p>
             <a:fld id="{1EF2611C-1D6D-4C57-B31D-145D2C54CABE}" type="datetimeFigureOut">
               <a:rPr lang="en-US" smtClean="0"/>
-              <a:t>1/9/2020</a:t>
+              <a:t>1/11/2020</a:t>
             </a:fld>
             <a:endParaRPr lang="en-US"/>
           </a:p>
@@ -5362,7 +5362,7 @@
           <a:p>
             <a:fld id="{1EF2611C-1D6D-4C57-B31D-145D2C54CABE}" type="datetimeFigureOut">
               <a:rPr lang="en-US" smtClean="0"/>
-              <a:t>1/9/2020</a:t>
+              <a:t>1/11/2020</a:t>
             </a:fld>
             <a:endParaRPr lang="en-US"/>
           </a:p>
@@ -5605,7 +5605,7 @@
           <a:p>
             <a:fld id="{1EF2611C-1D6D-4C57-B31D-145D2C54CABE}" type="datetimeFigureOut">
               <a:rPr lang="en-US" smtClean="0"/>
-              <a:t>1/9/2020</a:t>
+              <a:t>1/11/2020</a:t>
             </a:fld>
             <a:endParaRPr lang="en-US"/>
           </a:p>
@@ -6791,10 +6791,10 @@
       </p:grpSpPr>
       <p:sp>
         <p:nvSpPr>
-          <p:cNvPr id="2" name="Title 1">
+          <p:cNvPr id="5" name="Title 4">
             <a:extLst>
               <a:ext uri="{FF2B5EF4-FFF2-40B4-BE49-F238E27FC236}">
-                <a16:creationId xmlns:a16="http://schemas.microsoft.com/office/drawing/2014/main" id="{9538E715-27D8-45C5-8CA4-1E8FDE427BB2}"/>
+                <a16:creationId xmlns:a16="http://schemas.microsoft.com/office/drawing/2014/main" id="{17CE11C1-46B1-4623-932B-E18B36F40CC3}"/>
               </a:ext>
             </a:extLst>
           </p:cNvPr>
@@ -6802,38 +6802,41 @@
             <a:spLocks noGrp="1"/>
           </p:cNvSpPr>
           <p:nvPr>
-            <p:ph type="title"/>
-          </p:nvPr>
-        </p:nvSpPr>
-        <p:spPr/>
+            <p:ph type="title" idx="4294967295"/>
+          </p:nvPr>
+        </p:nvSpPr>
+        <p:spPr>
+          <a:xfrm>
+            <a:off x="3581400" y="0"/>
+            <a:ext cx="8610600" cy="614149"/>
+          </a:xfrm>
+        </p:spPr>
         <p:txBody>
           <a:bodyPr>
-            <a:normAutofit/>
+            <a:normAutofit fontScale="90000"/>
           </a:bodyPr>
           <a:lstStyle/>
           <a:p>
             <a:r>
               <a:rPr lang="en-US" dirty="0"/>
-              <a:t>Other Weather Factors</a:t>
+              <a:t>Other Weather Variables</a:t>
             </a:r>
           </a:p>
         </p:txBody>
       </p:sp>
       <p:pic>
         <p:nvPicPr>
-          <p:cNvPr id="6" name="Content Placeholder 5" descr="A screenshot of a cell phone&#10;&#10;Description automatically generated">
+          <p:cNvPr id="7" name="Picture 6" descr="A screenshot of a cell phone&#10;&#10;Description automatically generated">
             <a:extLst>
               <a:ext uri="{FF2B5EF4-FFF2-40B4-BE49-F238E27FC236}">
-                <a16:creationId xmlns:a16="http://schemas.microsoft.com/office/drawing/2014/main" id="{2EC4A438-AABB-469D-881E-861662C95DA1}"/>
+                <a16:creationId xmlns:a16="http://schemas.microsoft.com/office/drawing/2014/main" id="{C88DD1B4-06D4-4A0F-ABE5-E4ADB3F5306A}"/>
               </a:ext>
             </a:extLst>
           </p:cNvPr>
           <p:cNvPicPr>
-            <a:picLocks noGrp="1" noChangeAspect="1"/>
+            <a:picLocks noChangeAspect="1"/>
           </p:cNvPicPr>
-          <p:nvPr>
-            <p:ph sz="quarter" idx="13"/>
-          </p:nvPr>
+          <p:nvPr/>
         </p:nvPicPr>
         <p:blipFill>
           <a:blip r:embed="rId2">
@@ -6849,26 +6852,27 @@
         </p:blipFill>
         <p:spPr>
           <a:xfrm>
-            <a:off x="685800" y="2606526"/>
-            <a:ext cx="5087938" cy="2225973"/>
-          </a:xfrm>
+            <a:off x="0" y="614149"/>
+            <a:ext cx="5813946" cy="2814851"/>
+          </a:xfrm>
+          <a:prstGeom prst="rect">
+            <a:avLst/>
+          </a:prstGeom>
         </p:spPr>
       </p:pic>
       <p:pic>
         <p:nvPicPr>
-          <p:cNvPr id="8" name="Content Placeholder 7" descr="A screenshot of a cell phone&#10;&#10;Description automatically generated">
+          <p:cNvPr id="9" name="Picture 8" descr="A picture containing screenshot&#10;&#10;Description automatically generated">
             <a:extLst>
               <a:ext uri="{FF2B5EF4-FFF2-40B4-BE49-F238E27FC236}">
-                <a16:creationId xmlns:a16="http://schemas.microsoft.com/office/drawing/2014/main" id="{B787B0B1-E7E5-4C48-B67B-30EDA2460A21}"/>
+                <a16:creationId xmlns:a16="http://schemas.microsoft.com/office/drawing/2014/main" id="{A790A292-1A74-47FC-B915-9C20699A0592}"/>
               </a:ext>
             </a:extLst>
           </p:cNvPr>
           <p:cNvPicPr>
-            <a:picLocks noGrp="1" noChangeAspect="1"/>
+            <a:picLocks noChangeAspect="1"/>
           </p:cNvPicPr>
-          <p:nvPr>
-            <p:ph sz="quarter" idx="14"/>
-          </p:nvPr>
+          <p:nvPr/>
         </p:nvPicPr>
         <p:blipFill>
           <a:blip r:embed="rId3">
@@ -6884,15 +6888,90 @@
         </p:blipFill>
         <p:spPr>
           <a:xfrm>
-            <a:off x="5994400" y="2606873"/>
-            <a:ext cx="5086350" cy="2225278"/>
-          </a:xfrm>
+            <a:off x="5923129" y="614149"/>
+            <a:ext cx="6268871" cy="2814851"/>
+          </a:xfrm>
+          <a:prstGeom prst="rect">
+            <a:avLst/>
+          </a:prstGeom>
+        </p:spPr>
+      </p:pic>
+      <p:pic>
+        <p:nvPicPr>
+          <p:cNvPr id="11" name="Picture 10" descr="A screenshot of a cell phone&#10;&#10;Description automatically generated">
+            <a:extLst>
+              <a:ext uri="{FF2B5EF4-FFF2-40B4-BE49-F238E27FC236}">
+                <a16:creationId xmlns:a16="http://schemas.microsoft.com/office/drawing/2014/main" id="{B9B758F3-0191-44B5-BE16-5C0181110C5D}"/>
+              </a:ext>
+            </a:extLst>
+          </p:cNvPr>
+          <p:cNvPicPr>
+            <a:picLocks noChangeAspect="1"/>
+          </p:cNvPicPr>
+          <p:nvPr/>
+        </p:nvPicPr>
+        <p:blipFill>
+          <a:blip r:embed="rId4">
+            <a:extLst>
+              <a:ext uri="{28A0092B-C50C-407E-A947-70E740481C1C}">
+                <a14:useLocalDpi xmlns:a14="http://schemas.microsoft.com/office/drawing/2010/main" val="0"/>
+              </a:ext>
+            </a:extLst>
+          </a:blip>
+          <a:stretch>
+            <a:fillRect/>
+          </a:stretch>
+        </p:blipFill>
+        <p:spPr>
+          <a:xfrm>
+            <a:off x="0" y="3534770"/>
+            <a:ext cx="5813946" cy="3323230"/>
+          </a:xfrm>
+          <a:prstGeom prst="rect">
+            <a:avLst/>
+          </a:prstGeom>
+        </p:spPr>
+      </p:pic>
+      <p:pic>
+        <p:nvPicPr>
+          <p:cNvPr id="13" name="Picture 12" descr="A screenshot of a cell phone&#10;&#10;Description automatically generated">
+            <a:extLst>
+              <a:ext uri="{FF2B5EF4-FFF2-40B4-BE49-F238E27FC236}">
+                <a16:creationId xmlns:a16="http://schemas.microsoft.com/office/drawing/2014/main" id="{1D15ED21-07AF-4F5B-A308-DB8A4A82AD72}"/>
+              </a:ext>
+            </a:extLst>
+          </p:cNvPr>
+          <p:cNvPicPr>
+            <a:picLocks noChangeAspect="1"/>
+          </p:cNvPicPr>
+          <p:nvPr/>
+        </p:nvPicPr>
+        <p:blipFill>
+          <a:blip r:embed="rId5">
+            <a:extLst>
+              <a:ext uri="{28A0092B-C50C-407E-A947-70E740481C1C}">
+                <a14:useLocalDpi xmlns:a14="http://schemas.microsoft.com/office/drawing/2010/main" val="0"/>
+              </a:ext>
+            </a:extLst>
+          </a:blip>
+          <a:stretch>
+            <a:fillRect/>
+          </a:stretch>
+        </p:blipFill>
+        <p:spPr>
+          <a:xfrm>
+            <a:off x="5923129" y="3534770"/>
+            <a:ext cx="6268871" cy="3323230"/>
+          </a:xfrm>
+          <a:prstGeom prst="rect">
+            <a:avLst/>
+          </a:prstGeom>
         </p:spPr>
       </p:pic>
     </p:spTree>
     <p:extLst>
       <p:ext uri="{BB962C8B-B14F-4D97-AF65-F5344CB8AC3E}">
-        <p14:creationId xmlns:p14="http://schemas.microsoft.com/office/powerpoint/2010/main" val="2870407785"/>
+        <p14:creationId xmlns:p14="http://schemas.microsoft.com/office/powerpoint/2010/main" val="3304800084"/>
       </p:ext>
     </p:extLst>
   </p:cSld>
@@ -6924,7 +7003,7 @@
           <p:cNvPr id="2" name="Title 1">
             <a:extLst>
               <a:ext uri="{FF2B5EF4-FFF2-40B4-BE49-F238E27FC236}">
-                <a16:creationId xmlns:a16="http://schemas.microsoft.com/office/drawing/2014/main" id="{BBF87FFC-F3E3-452E-A28A-90BD6C7C6392}"/>
+                <a16:creationId xmlns:a16="http://schemas.microsoft.com/office/drawing/2014/main" id="{9538E715-27D8-45C5-8CA4-1E8FDE427BB2}"/>
               </a:ext>
             </a:extLst>
           </p:cNvPr>
@@ -6937,31 +7016,31 @@
         </p:nvSpPr>
         <p:spPr/>
         <p:txBody>
-          <a:bodyPr/>
+          <a:bodyPr>
+            <a:normAutofit/>
+          </a:bodyPr>
           <a:lstStyle/>
           <a:p>
             <a:r>
               <a:rPr lang="en-US" dirty="0"/>
-              <a:t>Weather that Doesn’t Affect Traffic</a:t>
+              <a:t>GA Overall</a:t>
             </a:r>
           </a:p>
         </p:txBody>
       </p:sp>
       <p:pic>
         <p:nvPicPr>
-          <p:cNvPr id="6" name="Content Placeholder 5" descr="A screenshot of a cell phone&#10;&#10;Description automatically generated">
+          <p:cNvPr id="22" name="Picture 21" descr="A screenshot of a cell phone&#10;&#10;Description automatically generated">
             <a:extLst>
               <a:ext uri="{FF2B5EF4-FFF2-40B4-BE49-F238E27FC236}">
-                <a16:creationId xmlns:a16="http://schemas.microsoft.com/office/drawing/2014/main" id="{F5820E06-4AF1-45C3-A26A-FAF34EED11C0}"/>
+                <a16:creationId xmlns:a16="http://schemas.microsoft.com/office/drawing/2014/main" id="{152CA3A2-4D83-4BF4-BB8D-B900903CD988}"/>
               </a:ext>
             </a:extLst>
           </p:cNvPr>
           <p:cNvPicPr>
-            <a:picLocks noGrp="1" noChangeAspect="1"/>
+            <a:picLocks noChangeAspect="1"/>
           </p:cNvPicPr>
-          <p:nvPr>
-            <p:ph sz="quarter" idx="13"/>
-          </p:nvPr>
+          <p:nvPr/>
         </p:nvPicPr>
         <p:blipFill>
           <a:blip r:embed="rId2">
@@ -6977,26 +7056,27 @@
         </p:blipFill>
         <p:spPr>
           <a:xfrm>
-            <a:off x="304248" y="1843940"/>
-            <a:ext cx="5087938" cy="2225973"/>
-          </a:xfrm>
+            <a:off x="0" y="1599783"/>
+            <a:ext cx="5732060" cy="4572000"/>
+          </a:xfrm>
+          <a:prstGeom prst="rect">
+            <a:avLst/>
+          </a:prstGeom>
         </p:spPr>
       </p:pic>
       <p:pic>
         <p:nvPicPr>
-          <p:cNvPr id="8" name="Content Placeholder 7" descr="A screenshot of a cell phone&#10;&#10;Description automatically generated">
+          <p:cNvPr id="24" name="Picture 23" descr="A close up of a map&#10;&#10;Description automatically generated">
             <a:extLst>
               <a:ext uri="{FF2B5EF4-FFF2-40B4-BE49-F238E27FC236}">
-                <a16:creationId xmlns:a16="http://schemas.microsoft.com/office/drawing/2014/main" id="{4F1E1ED0-CAA1-4D00-B485-2E9EEC9837C8}"/>
+                <a16:creationId xmlns:a16="http://schemas.microsoft.com/office/drawing/2014/main" id="{EC4F9487-D9CF-47F4-8CBD-39EA7E04F64F}"/>
               </a:ext>
             </a:extLst>
           </p:cNvPr>
           <p:cNvPicPr>
-            <a:picLocks noGrp="1" noChangeAspect="1"/>
+            <a:picLocks noChangeAspect="1"/>
           </p:cNvPicPr>
-          <p:nvPr>
-            <p:ph sz="quarter" idx="14"/>
-          </p:nvPr>
+          <p:nvPr/>
         </p:nvPicPr>
         <p:blipFill>
           <a:blip r:embed="rId3">
@@ -7012,41 +7092,8 @@
         </p:blipFill>
         <p:spPr>
           <a:xfrm>
-            <a:off x="5884242" y="1843940"/>
-            <a:ext cx="5086350" cy="2225278"/>
-          </a:xfrm>
-        </p:spPr>
-      </p:pic>
-      <p:pic>
-        <p:nvPicPr>
-          <p:cNvPr id="10" name="Picture 9" descr="A screenshot of a cell phone&#10;&#10;Description automatically generated">
-            <a:extLst>
-              <a:ext uri="{FF2B5EF4-FFF2-40B4-BE49-F238E27FC236}">
-                <a16:creationId xmlns:a16="http://schemas.microsoft.com/office/drawing/2014/main" id="{40FB55D9-390E-4C5D-825E-99F73E7D2A84}"/>
-              </a:ext>
-            </a:extLst>
-          </p:cNvPr>
-          <p:cNvPicPr>
-            <a:picLocks noChangeAspect="1"/>
-          </p:cNvPicPr>
-          <p:nvPr/>
-        </p:nvPicPr>
-        <p:blipFill>
-          <a:blip r:embed="rId4">
-            <a:extLst>
-              <a:ext uri="{28A0092B-C50C-407E-A947-70E740481C1C}">
-                <a14:useLocalDpi xmlns:a14="http://schemas.microsoft.com/office/drawing/2010/main" val="0"/>
-              </a:ext>
-            </a:extLst>
-          </a:blip>
-          <a:stretch>
-            <a:fillRect/>
-          </a:stretch>
-        </p:blipFill>
-        <p:spPr>
-          <a:xfrm>
-            <a:off x="2452653" y="4240696"/>
-            <a:ext cx="6891130" cy="2493685"/>
+            <a:off x="5883835" y="1599783"/>
+            <a:ext cx="6167138" cy="4572000"/>
           </a:xfrm>
           <a:prstGeom prst="rect">
             <a:avLst/>
@@ -7056,7 +7103,7 @@
     </p:spTree>
     <p:extLst>
       <p:ext uri="{BB962C8B-B14F-4D97-AF65-F5344CB8AC3E}">
-        <p14:creationId xmlns:p14="http://schemas.microsoft.com/office/powerpoint/2010/main" val="723340435"/>
+        <p14:creationId xmlns:p14="http://schemas.microsoft.com/office/powerpoint/2010/main" val="2870407785"/>
       </p:ext>
     </p:extLst>
   </p:cSld>

--- a/project1.pptx
+++ b/project1.pptx
@@ -6047,7 +6047,15 @@
           <a:p>
             <a:r>
               <a:rPr lang="en-US" sz="4000" dirty="0"/>
-              <a:t>TCD, visibility and Other Causes that affect Traffic Delays (US and GA)</a:t>
+              <a:t>Traffic Control Devices </a:t>
+            </a:r>
+            <a:r>
+              <a:rPr lang="en-US" sz="4000"/>
+              <a:t>and weather </a:t>
+            </a:r>
+            <a:r>
+              <a:rPr lang="en-US" sz="4000" dirty="0"/>
+              <a:t>impact on traffic delays (US and GA)</a:t>
             </a:r>
           </a:p>
         </p:txBody>
@@ -6225,7 +6233,7 @@
           <a:p>
             <a:r>
               <a:rPr lang="en-US" dirty="0"/>
-              <a:t>Each member of the team focused on different causes and the severity related to each </a:t>
+              <a:t>Each member of the team focused on different variables and the severity related to each </a:t>
             </a:r>
           </a:p>
           <a:p>
